--- a/Group_3_Final_PPT.pptx
+++ b/Group_3_Final_PPT.pptx
@@ -6454,7 +6454,7 @@
         </p:spPr>
         <p:txBody>
           <a:bodyPr vert="horz" lIns="91440" tIns="45720" rIns="91440" bIns="45720" rtlCol="0">
-            <a:normAutofit fontScale="92500" lnSpcReduction="10000"/>
+            <a:normAutofit fontScale="92500" lnSpcReduction="20000"/>
           </a:bodyPr>
           <a:lstStyle/>
           <a:p>
@@ -6471,7 +6471,7 @@
                   <a:srgbClr val="404040"/>
                 </a:solidFill>
               </a:rPr>
-              <a:t>Deval Bhungaliya: </a:t>
+              <a:t>Deval Bhungaliya(041107272): </a:t>
             </a:r>
             <a:r>
               <a:rPr lang="en-US" sz="1600" dirty="0">
@@ -6512,7 +6512,7 @@
                   <a:srgbClr val="404040"/>
                 </a:solidFill>
               </a:rPr>
-              <a:t>: </a:t>
+              <a:t>(041096986): </a:t>
             </a:r>
             <a:r>
               <a:rPr lang="en-US" sz="1600" dirty="0">
@@ -6537,7 +6537,7 @@
                   <a:srgbClr val="404040"/>
                 </a:solidFill>
               </a:rPr>
-              <a:t>Parth Patel: </a:t>
+              <a:t>Parth Patel(040751954): </a:t>
             </a:r>
             <a:r>
               <a:rPr lang="en-US" sz="1600" dirty="0">
@@ -6586,7 +6586,7 @@
                   <a:srgbClr val="404040"/>
                 </a:solidFill>
               </a:rPr>
-              <a:t>: </a:t>
+              <a:t>(041167124): </a:t>
             </a:r>
             <a:r>
               <a:rPr lang="en-US" sz="1600" dirty="0">

--- a/Group_3_Final_PPT.pptx
+++ b/Group_3_Final_PPT.pptx
@@ -5,7 +5,7 @@
     <p:sldMasterId id="2147483660" r:id="rId1"/>
   </p:sldMasterIdLst>
   <p:notesMasterIdLst>
-    <p:notesMasterId r:id="rId10"/>
+    <p:notesMasterId r:id="rId11"/>
   </p:notesMasterIdLst>
   <p:sldIdLst>
     <p:sldId id="284" r:id="rId2"/>
@@ -15,7 +15,8 @@
     <p:sldId id="302" r:id="rId6"/>
     <p:sldId id="303" r:id="rId7"/>
     <p:sldId id="304" r:id="rId8"/>
-    <p:sldId id="299" r:id="rId9"/>
+    <p:sldId id="305" r:id="rId9"/>
+    <p:sldId id="299" r:id="rId10"/>
   </p:sldIdLst>
   <p:sldSz cx="9144000" cy="6858000" type="screen4x3"/>
   <p:notesSz cx="6858000" cy="9144000"/>
@@ -215,7 +216,7 @@
           <a:p>
             <a:fld id="{4868EA02-96BE-4DF8-8B3A-2929C04E23DB}" type="datetimeFigureOut">
               <a:rPr lang="en-IN" smtClean="0"/>
-              <a:t>03-12-2024</a:t>
+              <a:t>04-12-2024</a:t>
             </a:fld>
             <a:endParaRPr lang="en-IN"/>
           </a:p>
@@ -646,7 +647,7 @@
           <a:p>
             <a:fld id="{5BCAD085-E8A6-8845-BD4E-CB4CCA059FC4}" type="datetimeFigureOut">
               <a:rPr lang="en-US" smtClean="0"/>
-              <a:t>12/3/2024</a:t>
+              <a:t>12/4/2024</a:t>
             </a:fld>
             <a:endParaRPr lang="en-US"/>
           </a:p>
@@ -816,7 +817,7 @@
           <a:p>
             <a:fld id="{5BCAD085-E8A6-8845-BD4E-CB4CCA059FC4}" type="datetimeFigureOut">
               <a:rPr lang="en-US" smtClean="0"/>
-              <a:t>12/3/2024</a:t>
+              <a:t>12/4/2024</a:t>
             </a:fld>
             <a:endParaRPr lang="en-US"/>
           </a:p>
@@ -996,7 +997,7 @@
           <a:p>
             <a:fld id="{5BCAD085-E8A6-8845-BD4E-CB4CCA059FC4}" type="datetimeFigureOut">
               <a:rPr lang="en-US" smtClean="0"/>
-              <a:t>12/3/2024</a:t>
+              <a:t>12/4/2024</a:t>
             </a:fld>
             <a:endParaRPr lang="en-US"/>
           </a:p>
@@ -1166,7 +1167,7 @@
           <a:p>
             <a:fld id="{5BCAD085-E8A6-8845-BD4E-CB4CCA059FC4}" type="datetimeFigureOut">
               <a:rPr lang="en-US" smtClean="0"/>
-              <a:t>12/3/2024</a:t>
+              <a:t>12/4/2024</a:t>
             </a:fld>
             <a:endParaRPr lang="en-US"/>
           </a:p>
@@ -1434,7 +1435,7 @@
           <a:p>
             <a:fld id="{5BCAD085-E8A6-8845-BD4E-CB4CCA059FC4}" type="datetimeFigureOut">
               <a:rPr lang="en-US" smtClean="0"/>
-              <a:t>12/3/2024</a:t>
+              <a:t>12/4/2024</a:t>
             </a:fld>
             <a:endParaRPr lang="en-US"/>
           </a:p>
@@ -1666,7 +1667,7 @@
           <a:p>
             <a:fld id="{5BCAD085-E8A6-8845-BD4E-CB4CCA059FC4}" type="datetimeFigureOut">
               <a:rPr lang="en-US" smtClean="0"/>
-              <a:t>12/3/2024</a:t>
+              <a:t>12/4/2024</a:t>
             </a:fld>
             <a:endParaRPr lang="en-US"/>
           </a:p>
@@ -2025,7 +2026,7 @@
           <a:p>
             <a:fld id="{5BCAD085-E8A6-8845-BD4E-CB4CCA059FC4}" type="datetimeFigureOut">
               <a:rPr lang="en-US" smtClean="0"/>
-              <a:t>12/3/2024</a:t>
+              <a:t>12/4/2024</a:t>
             </a:fld>
             <a:endParaRPr lang="en-US"/>
           </a:p>
@@ -2166,7 +2167,7 @@
           <a:p>
             <a:fld id="{5BCAD085-E8A6-8845-BD4E-CB4CCA059FC4}" type="datetimeFigureOut">
               <a:rPr lang="en-US" smtClean="0"/>
-              <a:t>12/3/2024</a:t>
+              <a:t>12/4/2024</a:t>
             </a:fld>
             <a:endParaRPr lang="en-US"/>
           </a:p>
@@ -2261,7 +2262,7 @@
           <a:p>
             <a:fld id="{5BCAD085-E8A6-8845-BD4E-CB4CCA059FC4}" type="datetimeFigureOut">
               <a:rPr lang="en-US" smtClean="0"/>
-              <a:t>12/3/2024</a:t>
+              <a:t>12/4/2024</a:t>
             </a:fld>
             <a:endParaRPr lang="en-US"/>
           </a:p>
@@ -2618,7 +2619,7 @@
           <a:p>
             <a:fld id="{5BCAD085-E8A6-8845-BD4E-CB4CCA059FC4}" type="datetimeFigureOut">
               <a:rPr lang="en-US" smtClean="0"/>
-              <a:t>12/3/2024</a:t>
+              <a:t>12/4/2024</a:t>
             </a:fld>
             <a:endParaRPr lang="en-US"/>
           </a:p>
@@ -2976,7 +2977,7 @@
           <a:p>
             <a:fld id="{5BCAD085-E8A6-8845-BD4E-CB4CCA059FC4}" type="datetimeFigureOut">
               <a:rPr lang="en-US" smtClean="0"/>
-              <a:t>12/3/2024</a:t>
+              <a:t>12/4/2024</a:t>
             </a:fld>
             <a:endParaRPr lang="en-US"/>
           </a:p>
@@ -3220,7 +3221,7 @@
           <a:p>
             <a:fld id="{5BCAD085-E8A6-8845-BD4E-CB4CCA059FC4}" type="datetimeFigureOut">
               <a:rPr lang="en-US" smtClean="0"/>
-              <a:t>12/3/2024</a:t>
+              <a:t>12/4/2024</a:t>
             </a:fld>
             <a:endParaRPr lang="en-US"/>
           </a:p>
@@ -5581,7 +5582,7 @@
                   <a:srgbClr val="404040"/>
                 </a:solidFill>
               </a:rPr>
-              <a:t>High contrast for readability and WCAG compliance.</a:t>
+              <a:t>Proper contrast for readability and WCAG compliance.</a:t>
             </a:r>
           </a:p>
           <a:p>
@@ -6611,7 +6612,7 @@
                   <a:srgbClr val="404040"/>
                 </a:solidFill>
               </a:rPr>
-              <a:t>Collaboratively tested across devices and browsers to ensure compatibility.</a:t>
+              <a:t>Collaboratively tested across browsers to ensure compatibility.</a:t>
             </a:r>
           </a:p>
           <a:p>
@@ -6704,6 +6705,368 @@
 </file>
 
 <file path=ppt/slides/slide8.xml><?xml version="1.0" encoding="utf-8"?>
+<p:sld xmlns:a="http://schemas.openxmlformats.org/drawingml/2006/main" xmlns:r="http://schemas.openxmlformats.org/officeDocument/2006/relationships" xmlns:p="http://schemas.openxmlformats.org/presentationml/2006/main">
+  <p:cSld>
+    <p:bg>
+      <p:bgPr>
+        <a:solidFill>
+          <a:schemeClr val="accent2"/>
+        </a:solidFill>
+        <a:effectLst/>
+      </p:bgPr>
+    </p:bg>
+    <p:spTree>
+      <p:nvGrpSpPr>
+        <p:cNvPr id="1" name="">
+          <a:extLst>
+            <a:ext uri="{FF2B5EF4-FFF2-40B4-BE49-F238E27FC236}">
+              <a16:creationId xmlns:a16="http://schemas.microsoft.com/office/drawing/2014/main" id="{74361013-109C-869C-C645-ACB4B84DB7C1}"/>
+            </a:ext>
+          </a:extLst>
+        </p:cNvPr>
+        <p:cNvGrpSpPr/>
+        <p:nvPr/>
+      </p:nvGrpSpPr>
+      <p:grpSpPr>
+        <a:xfrm>
+          <a:off x="0" y="0"/>
+          <a:ext cx="0" cy="0"/>
+          <a:chOff x="0" y="0"/>
+          <a:chExt cx="0" cy="0"/>
+        </a:xfrm>
+      </p:grpSpPr>
+      <p:sp>
+        <p:nvSpPr>
+          <p:cNvPr id="8" name="Rectangle 7">
+            <a:extLst>
+              <a:ext uri="{FF2B5EF4-FFF2-40B4-BE49-F238E27FC236}">
+                <a16:creationId xmlns:a16="http://schemas.microsoft.com/office/drawing/2014/main" id="{0DF74F9C-02F6-1124-6097-3B33DEB241C0}"/>
+              </a:ext>
+              <a:ext uri="{C183D7F6-B498-43B3-948B-1728B52AA6E4}">
+                <adec:decorative xmlns:adec="http://schemas.microsoft.com/office/drawing/2017/decorative" val="1"/>
+              </a:ext>
+            </a:extLst>
+          </p:cNvPr>
+          <p:cNvSpPr>
+            <a:spLocks noGrp="1" noRot="1" noChangeAspect="1" noMove="1" noResize="1" noEditPoints="1" noAdjustHandles="1" noChangeArrowheads="1" noChangeShapeType="1" noTextEdit="1"/>
+          </p:cNvSpPr>
+          <p:nvPr>
+            <p:extLst>
+              <p:ext uri="{386F3935-93C4-4BCD-93E2-E3B085C9AB24}">
+                <p16:designElem xmlns:p16="http://schemas.microsoft.com/office/powerpoint/2015/main" val="1"/>
+              </p:ext>
+            </p:extLst>
+          </p:nvPr>
+        </p:nvSpPr>
+        <p:spPr>
+          <a:xfrm>
+            <a:off x="480051" y="640080"/>
+            <a:ext cx="8183898" cy="4626864"/>
+          </a:xfrm>
+          <a:prstGeom prst="rect">
+            <a:avLst/>
+          </a:prstGeom>
+          <a:noFill/>
+          <a:ln w="31750" cap="sq">
+            <a:solidFill>
+              <a:srgbClr val="FFFFFF"/>
+            </a:solidFill>
+            <a:miter lim="800000"/>
+          </a:ln>
+        </p:spPr>
+        <p:style>
+          <a:lnRef idx="2">
+            <a:schemeClr val="accent1">
+              <a:shade val="50000"/>
+            </a:schemeClr>
+          </a:lnRef>
+          <a:fillRef idx="1">
+            <a:schemeClr val="accent1"/>
+          </a:fillRef>
+          <a:effectRef idx="0">
+            <a:schemeClr val="accent1"/>
+          </a:effectRef>
+          <a:fontRef idx="minor">
+            <a:schemeClr val="lt1"/>
+          </a:fontRef>
+        </p:style>
+        <p:txBody>
+          <a:bodyPr rtlCol="0" anchor="ctr"/>
+          <a:lstStyle/>
+          <a:p>
+            <a:pPr marL="0" marR="0" lvl="0" indent="0" algn="ctr" defTabSz="457200" rtl="0" eaLnBrk="1" fontAlgn="auto" latinLnBrk="0" hangingPunct="1">
+              <a:lnSpc>
+                <a:spcPct val="100000"/>
+              </a:lnSpc>
+              <a:spcBef>
+                <a:spcPts val="0"/>
+              </a:spcBef>
+              <a:spcAft>
+                <a:spcPts val="0"/>
+              </a:spcAft>
+              <a:buClrTx/>
+              <a:buSzTx/>
+              <a:buFontTx/>
+              <a:buNone/>
+              <a:tabLst/>
+              <a:defRPr/>
+            </a:pPr>
+            <a:endParaRPr kumimoji="0" lang="en-US" sz="1800" b="0" i="0" u="none" strike="noStrike" kern="1200" cap="none" spc="0" normalizeH="0" baseline="0" noProof="0" dirty="0">
+              <a:ln>
+                <a:noFill/>
+              </a:ln>
+              <a:solidFill>
+                <a:srgbClr val="FFFFFF"/>
+              </a:solidFill>
+              <a:effectLst/>
+              <a:uLnTx/>
+              <a:uFillTx/>
+              <a:latin typeface="Gill Sans MT" panose="020B0502020104020203"/>
+              <a:ea typeface="+mn-ea"/>
+              <a:cs typeface="+mn-cs"/>
+            </a:endParaRPr>
+          </a:p>
+        </p:txBody>
+      </p:sp>
+      <p:sp>
+        <p:nvSpPr>
+          <p:cNvPr id="10" name="Rectangle 9">
+            <a:extLst>
+              <a:ext uri="{FF2B5EF4-FFF2-40B4-BE49-F238E27FC236}">
+                <a16:creationId xmlns:a16="http://schemas.microsoft.com/office/drawing/2014/main" id="{375101F2-427C-1334-4536-66B903B5A473}"/>
+              </a:ext>
+              <a:ext uri="{C183D7F6-B498-43B3-948B-1728B52AA6E4}">
+                <adec:decorative xmlns:adec="http://schemas.microsoft.com/office/drawing/2017/decorative" val="1"/>
+              </a:ext>
+            </a:extLst>
+          </p:cNvPr>
+          <p:cNvSpPr>
+            <a:spLocks noGrp="1" noRot="1" noChangeAspect="1" noMove="1" noResize="1" noEditPoints="1" noAdjustHandles="1" noChangeArrowheads="1" noChangeShapeType="1" noTextEdit="1"/>
+          </p:cNvSpPr>
+          <p:nvPr>
+            <p:extLst>
+              <p:ext uri="{386F3935-93C4-4BCD-93E2-E3B085C9AB24}">
+                <p16:designElem xmlns:p16="http://schemas.microsoft.com/office/powerpoint/2015/main" val="1"/>
+              </p:ext>
+            </p:extLst>
+          </p:nvPr>
+        </p:nvSpPr>
+        <p:spPr>
+          <a:xfrm>
+            <a:off x="604647" y="804672"/>
+            <a:ext cx="7934706" cy="4297680"/>
+          </a:xfrm>
+          <a:prstGeom prst="rect">
+            <a:avLst/>
+          </a:prstGeom>
+          <a:solidFill>
+            <a:srgbClr val="FFFFFF"/>
+          </a:solidFill>
+          <a:ln>
+            <a:noFill/>
+          </a:ln>
+        </p:spPr>
+        <p:style>
+          <a:lnRef idx="2">
+            <a:schemeClr val="accent1">
+              <a:shade val="50000"/>
+            </a:schemeClr>
+          </a:lnRef>
+          <a:fillRef idx="1">
+            <a:schemeClr val="accent1"/>
+          </a:fillRef>
+          <a:effectRef idx="0">
+            <a:schemeClr val="accent1"/>
+          </a:effectRef>
+          <a:fontRef idx="minor">
+            <a:schemeClr val="lt1"/>
+          </a:fontRef>
+        </p:style>
+        <p:txBody>
+          <a:bodyPr rtlCol="0" anchor="ctr"/>
+          <a:lstStyle/>
+          <a:p>
+            <a:pPr marL="0" marR="0" lvl="0" indent="0" algn="ctr" defTabSz="457200" rtl="0" eaLnBrk="1" fontAlgn="auto" latinLnBrk="0" hangingPunct="1">
+              <a:lnSpc>
+                <a:spcPct val="100000"/>
+              </a:lnSpc>
+              <a:spcBef>
+                <a:spcPts val="0"/>
+              </a:spcBef>
+              <a:spcAft>
+                <a:spcPts val="0"/>
+              </a:spcAft>
+              <a:buClrTx/>
+              <a:buSzTx/>
+              <a:buFontTx/>
+              <a:buNone/>
+              <a:tabLst/>
+              <a:defRPr/>
+            </a:pPr>
+            <a:endParaRPr kumimoji="0" lang="en-US" sz="1800" b="0" i="0" u="none" strike="noStrike" kern="1200" cap="none" spc="0" normalizeH="0" baseline="0" noProof="0">
+              <a:ln>
+                <a:noFill/>
+              </a:ln>
+              <a:solidFill>
+                <a:srgbClr val="FFFFFF"/>
+              </a:solidFill>
+              <a:effectLst/>
+              <a:uLnTx/>
+              <a:uFillTx/>
+              <a:latin typeface="Gill Sans MT" panose="020B0502020104020203"/>
+              <a:ea typeface="+mn-ea"/>
+              <a:cs typeface="+mn-cs"/>
+            </a:endParaRPr>
+          </a:p>
+        </p:txBody>
+      </p:sp>
+      <p:sp>
+        <p:nvSpPr>
+          <p:cNvPr id="2" name="Title 1">
+            <a:extLst>
+              <a:ext uri="{FF2B5EF4-FFF2-40B4-BE49-F238E27FC236}">
+                <a16:creationId xmlns:a16="http://schemas.microsoft.com/office/drawing/2014/main" id="{4575D25D-490B-29B2-6D5A-ED8292472615}"/>
+              </a:ext>
+            </a:extLst>
+          </p:cNvPr>
+          <p:cNvSpPr>
+            <a:spLocks noGrp="1"/>
+          </p:cNvSpPr>
+          <p:nvPr>
+            <p:ph type="ctrTitle"/>
+          </p:nvPr>
+        </p:nvSpPr>
+        <p:spPr>
+          <a:xfrm>
+            <a:off x="947046" y="1289303"/>
+            <a:ext cx="7228833" cy="3339303"/>
+          </a:xfrm>
+          <a:ln>
+            <a:noFill/>
+          </a:ln>
+        </p:spPr>
+        <p:txBody>
+          <a:bodyPr>
+            <a:normAutofit/>
+          </a:bodyPr>
+          <a:lstStyle/>
+          <a:p>
+            <a:r>
+              <a:rPr lang="en-US" sz="4400" dirty="0">
+                <a:hlinkClick r:id="rId2"/>
+              </a:rPr>
+              <a:t>Demo</a:t>
+            </a:r>
+            <a:endParaRPr lang="en-IN" sz="4400" dirty="0"/>
+          </a:p>
+        </p:txBody>
+      </p:sp>
+    </p:spTree>
+    <p:extLst>
+      <p:ext uri="{BB962C8B-B14F-4D97-AF65-F5344CB8AC3E}">
+        <p14:creationId xmlns:p14="http://schemas.microsoft.com/office/powerpoint/2010/main" val="2447185399"/>
+      </p:ext>
+    </p:extLst>
+  </p:cSld>
+  <p:clrMapOvr>
+    <a:masterClrMapping/>
+  </p:clrMapOvr>
+  <p:timing>
+    <p:tnLst>
+      <p:par>
+        <p:cTn id="1" dur="indefinite" restart="never" nodeType="tmRoot">
+          <p:childTnLst>
+            <p:seq concurrent="1" nextAc="seek">
+              <p:cTn id="2" dur="indefinite" nodeType="mainSeq">
+                <p:childTnLst>
+                  <p:par>
+                    <p:cTn id="3" fill="hold">
+                      <p:stCondLst>
+                        <p:cond delay="indefinite"/>
+                        <p:cond evt="onBegin" delay="0">
+                          <p:tn val="2"/>
+                        </p:cond>
+                      </p:stCondLst>
+                      <p:childTnLst>
+                        <p:par>
+                          <p:cTn id="4" fill="hold">
+                            <p:stCondLst>
+                              <p:cond delay="0"/>
+                            </p:stCondLst>
+                            <p:childTnLst>
+                              <p:par>
+                                <p:cTn id="5" presetID="10" presetClass="entr" presetSubtype="0" fill="hold" grpId="0" nodeType="withEffect">
+                                  <p:stCondLst>
+                                    <p:cond delay="500"/>
+                                  </p:stCondLst>
+                                  <p:iterate type="lt">
+                                    <p:tmPct val="10000"/>
+                                  </p:iterate>
+                                  <p:childTnLst>
+                                    <p:set>
+                                      <p:cBhvr>
+                                        <p:cTn id="6" dur="1" fill="hold">
+                                          <p:stCondLst>
+                                            <p:cond delay="0"/>
+                                          </p:stCondLst>
+                                        </p:cTn>
+                                        <p:tgtEl>
+                                          <p:spTgt spid="2"/>
+                                        </p:tgtEl>
+                                        <p:attrNameLst>
+                                          <p:attrName>style.visibility</p:attrName>
+                                        </p:attrNameLst>
+                                      </p:cBhvr>
+                                      <p:to>
+                                        <p:strVal val="visible"/>
+                                      </p:to>
+                                    </p:set>
+                                    <p:animEffect transition="in" filter="fade">
+                                      <p:cBhvr>
+                                        <p:cTn id="7" dur="400"/>
+                                        <p:tgtEl>
+                                          <p:spTgt spid="2"/>
+                                        </p:tgtEl>
+                                      </p:cBhvr>
+                                    </p:animEffect>
+                                  </p:childTnLst>
+                                </p:cTn>
+                              </p:par>
+                            </p:childTnLst>
+                          </p:cTn>
+                        </p:par>
+                      </p:childTnLst>
+                    </p:cTn>
+                  </p:par>
+                </p:childTnLst>
+              </p:cTn>
+              <p:prevCondLst>
+                <p:cond evt="onPrev" delay="0">
+                  <p:tgtEl>
+                    <p:sldTgt/>
+                  </p:tgtEl>
+                </p:cond>
+              </p:prevCondLst>
+              <p:nextCondLst>
+                <p:cond evt="onNext" delay="0">
+                  <p:tgtEl>
+                    <p:sldTgt/>
+                  </p:tgtEl>
+                </p:cond>
+              </p:nextCondLst>
+            </p:seq>
+          </p:childTnLst>
+        </p:cTn>
+      </p:par>
+    </p:tnLst>
+    <p:bldLst>
+      <p:bldP spid="2" grpId="0" animBg="1"/>
+    </p:bldLst>
+  </p:timing>
+</p:sld>
+</file>
+
+<file path=ppt/slides/slide9.xml><?xml version="1.0" encoding="utf-8"?>
 <p:sld xmlns:a="http://schemas.openxmlformats.org/drawingml/2006/main" xmlns:r="http://schemas.openxmlformats.org/officeDocument/2006/relationships" xmlns:p="http://schemas.openxmlformats.org/presentationml/2006/main">
   <p:cSld>
     <p:bg>

--- a/Group_3_Final_PPT.pptx
+++ b/Group_3_Final_PPT.pptx
@@ -11,7 +11,7 @@
     <p:sldId id="284" r:id="rId2"/>
     <p:sldId id="257" r:id="rId3"/>
     <p:sldId id="300" r:id="rId4"/>
-    <p:sldId id="301" r:id="rId5"/>
+    <p:sldId id="306" r:id="rId5"/>
     <p:sldId id="302" r:id="rId6"/>
     <p:sldId id="303" r:id="rId7"/>
     <p:sldId id="304" r:id="rId8"/>
@@ -4185,7 +4185,7 @@
     <p:bg>
       <p:bgPr>
         <a:solidFill>
-          <a:schemeClr val="bg1"/>
+          <a:schemeClr val="accent2"/>
         </a:solidFill>
         <a:effectLst/>
       </p:bgPr>
@@ -4212,10 +4212,138 @@
       </p:grpSpPr>
       <p:sp>
         <p:nvSpPr>
-          <p:cNvPr id="8" name="Rectangle 7">
+          <p:cNvPr id="2" name="Title 1">
             <a:extLst>
               <a:ext uri="{FF2B5EF4-FFF2-40B4-BE49-F238E27FC236}">
-                <a16:creationId xmlns:a16="http://schemas.microsoft.com/office/drawing/2014/main" id="{7E019409-D651-FEA2-D9C3-07D07854CEEB}"/>
+                <a16:creationId xmlns:a16="http://schemas.microsoft.com/office/drawing/2014/main" id="{AB23261E-B1FB-628A-621F-B43AEAC86513}"/>
+              </a:ext>
+            </a:extLst>
+          </p:cNvPr>
+          <p:cNvSpPr>
+            <a:spLocks noGrp="1"/>
+          </p:cNvSpPr>
+          <p:nvPr>
+            <p:ph type="ctrTitle"/>
+          </p:nvPr>
+        </p:nvSpPr>
+        <p:spPr>
+          <a:xfrm>
+            <a:off x="603504" y="2386744"/>
+            <a:ext cx="3364992" cy="1645920"/>
+          </a:xfrm>
+        </p:spPr>
+        <p:txBody>
+          <a:bodyPr vert="horz" lIns="182880" tIns="182880" rIns="182880" bIns="182880" rtlCol="0">
+            <a:normAutofit/>
+          </a:bodyPr>
+          <a:lstStyle/>
+          <a:p>
+            <a:r>
+              <a:rPr lang="en-US" sz="2800" b="1"/>
+              <a:t>Interactive Components</a:t>
+            </a:r>
+          </a:p>
+        </p:txBody>
+      </p:sp>
+      <p:sp>
+        <p:nvSpPr>
+          <p:cNvPr id="3" name="Subtitle 2">
+            <a:extLst>
+              <a:ext uri="{FF2B5EF4-FFF2-40B4-BE49-F238E27FC236}">
+                <a16:creationId xmlns:a16="http://schemas.microsoft.com/office/drawing/2014/main" id="{DCEC2F26-F447-CA23-C26D-CDD02679A14D}"/>
+              </a:ext>
+            </a:extLst>
+          </p:cNvPr>
+          <p:cNvSpPr>
+            <a:spLocks noGrp="1"/>
+          </p:cNvSpPr>
+          <p:nvPr>
+            <p:ph type="subTitle" idx="1"/>
+          </p:nvPr>
+        </p:nvSpPr>
+        <p:spPr>
+          <a:xfrm>
+            <a:off x="861461" y="4352544"/>
+            <a:ext cx="2849077" cy="1239894"/>
+          </a:xfrm>
+        </p:spPr>
+        <p:txBody>
+          <a:bodyPr vert="horz" lIns="91440" tIns="45720" rIns="91440" bIns="45720" rtlCol="0">
+            <a:normAutofit/>
+          </a:bodyPr>
+          <a:lstStyle/>
+          <a:p>
+            <a:pPr marL="257175" indent="-228600">
+              <a:lnSpc>
+                <a:spcPct val="90000"/>
+              </a:lnSpc>
+              <a:buFont typeface="Arial" panose="020B0604020202020204" pitchFamily="34" charset="0"/>
+              <a:buChar char="•"/>
+            </a:pPr>
+            <a:r>
+              <a:rPr lang="en-US" sz="1000" b="1"/>
+              <a:t>Tab Navigation: </a:t>
+            </a:r>
+            <a:r>
+              <a:rPr lang="en-US" sz="1000"/>
+              <a:t>Navigate between Home, Services, and Schedule a Call sections.</a:t>
+            </a:r>
+          </a:p>
+          <a:p>
+            <a:pPr marL="28575" indent="-228600">
+              <a:lnSpc>
+                <a:spcPct val="90000"/>
+              </a:lnSpc>
+              <a:buFont typeface="Arial" panose="020B0604020202020204" pitchFamily="34" charset="0"/>
+              <a:buChar char="•"/>
+            </a:pPr>
+            <a:endParaRPr lang="en-US" sz="1000" b="1"/>
+          </a:p>
+          <a:p>
+            <a:pPr marL="257175" indent="-228600">
+              <a:lnSpc>
+                <a:spcPct val="90000"/>
+              </a:lnSpc>
+              <a:buFont typeface="Arial" panose="020B0604020202020204" pitchFamily="34" charset="0"/>
+              <a:buChar char="•"/>
+            </a:pPr>
+            <a:r>
+              <a:rPr lang="en-US" sz="1000" b="1"/>
+              <a:t>Lightbox/Modal: </a:t>
+            </a:r>
+            <a:r>
+              <a:rPr lang="en-US" sz="1000"/>
+              <a:t>Displays community insights.</a:t>
+            </a:r>
+          </a:p>
+          <a:p>
+            <a:pPr marL="257175" indent="-228600">
+              <a:lnSpc>
+                <a:spcPct val="90000"/>
+              </a:lnSpc>
+              <a:buFont typeface="Arial" panose="020B0604020202020204" pitchFamily="34" charset="0"/>
+              <a:buChar char="•"/>
+            </a:pPr>
+            <a:endParaRPr lang="en-US" sz="1000"/>
+          </a:p>
+          <a:p>
+            <a:pPr marL="257175" indent="-228600">
+              <a:lnSpc>
+                <a:spcPct val="90000"/>
+              </a:lnSpc>
+              <a:buFont typeface="Arial" panose="020B0604020202020204" pitchFamily="34" charset="0"/>
+              <a:buChar char="•"/>
+            </a:pPr>
+            <a:endParaRPr lang="en-US" sz="1000"/>
+          </a:p>
+        </p:txBody>
+      </p:sp>
+      <p:sp>
+        <p:nvSpPr>
+          <p:cNvPr id="21" name="Rectangle 20">
+            <a:extLst>
+              <a:ext uri="{FF2B5EF4-FFF2-40B4-BE49-F238E27FC236}">
+                <a16:creationId xmlns:a16="http://schemas.microsoft.com/office/drawing/2014/main" id="{2F0F143B-3981-4FC2-BB15-0C5867633489}"/>
               </a:ext>
               <a:ext uri="{C183D7F6-B498-43B3-948B-1728B52AA6E4}">
                 <adec:decorative xmlns:adec="http://schemas.microsoft.com/office/drawing/2017/decorative" val="1"/>
@@ -4235,100 +4363,8 @@
         </p:nvSpPr>
         <p:spPr>
           <a:xfrm>
-            <a:off x="0" y="0"/>
-            <a:ext cx="9144000" cy="6858000"/>
-          </a:xfrm>
-          <a:prstGeom prst="rect">
-            <a:avLst/>
-          </a:prstGeom>
-          <a:solidFill>
-            <a:schemeClr val="accent2"/>
-          </a:solidFill>
-          <a:ln>
-            <a:noFill/>
-          </a:ln>
-        </p:spPr>
-        <p:style>
-          <a:lnRef idx="2">
-            <a:schemeClr val="accent1">
-              <a:shade val="50000"/>
-            </a:schemeClr>
-          </a:lnRef>
-          <a:fillRef idx="1">
-            <a:schemeClr val="accent1"/>
-          </a:fillRef>
-          <a:effectRef idx="0">
-            <a:schemeClr val="accent1"/>
-          </a:effectRef>
-          <a:fontRef idx="minor">
-            <a:schemeClr val="lt1"/>
-          </a:fontRef>
-        </p:style>
-        <p:txBody>
-          <a:bodyPr rtlCol="0" anchor="ctr"/>
-          <a:lstStyle/>
-          <a:p>
-            <a:pPr marL="0" marR="0" lvl="0" indent="0" algn="ctr" defTabSz="457200" rtl="0" eaLnBrk="1" fontAlgn="auto" latinLnBrk="0" hangingPunct="1">
-              <a:lnSpc>
-                <a:spcPct val="100000"/>
-              </a:lnSpc>
-              <a:spcBef>
-                <a:spcPts val="0"/>
-              </a:spcBef>
-              <a:spcAft>
-                <a:spcPts val="0"/>
-              </a:spcAft>
-              <a:buClrTx/>
-              <a:buSzTx/>
-              <a:buFontTx/>
-              <a:buNone/>
-              <a:tabLst/>
-              <a:defRPr/>
-            </a:pPr>
-            <a:endParaRPr kumimoji="0" lang="en-US" sz="1800" b="0" i="0" u="none" strike="noStrike" kern="1200" cap="none" spc="0" normalizeH="0" baseline="0" noProof="0">
-              <a:ln>
-                <a:noFill/>
-              </a:ln>
-              <a:solidFill>
-                <a:srgbClr val="FFFFFF"/>
-              </a:solidFill>
-              <a:effectLst/>
-              <a:uLnTx/>
-              <a:uFillTx/>
-              <a:latin typeface="Gill Sans MT" panose="020B0502020104020203"/>
-              <a:ea typeface="+mn-ea"/>
-              <a:cs typeface="+mn-cs"/>
-            </a:endParaRPr>
-          </a:p>
-        </p:txBody>
-      </p:sp>
-      <p:sp>
-        <p:nvSpPr>
-          <p:cNvPr id="10" name="Rectangle 9">
-            <a:extLst>
-              <a:ext uri="{FF2B5EF4-FFF2-40B4-BE49-F238E27FC236}">
-                <a16:creationId xmlns:a16="http://schemas.microsoft.com/office/drawing/2014/main" id="{761D5B61-D7B2-C00C-9DA5-92D341F72BFA}"/>
-              </a:ext>
-              <a:ext uri="{C183D7F6-B498-43B3-948B-1728B52AA6E4}">
-                <adec:decorative xmlns:adec="http://schemas.microsoft.com/office/drawing/2017/decorative" val="1"/>
-              </a:ext>
-            </a:extLst>
-          </p:cNvPr>
-          <p:cNvSpPr>
-            <a:spLocks noGrp="1" noRot="1" noChangeAspect="1" noMove="1" noResize="1" noEditPoints="1" noAdjustHandles="1" noChangeArrowheads="1" noChangeShapeType="1" noTextEdit="1"/>
-          </p:cNvSpPr>
-          <p:nvPr>
-            <p:extLst>
-              <p:ext uri="{386F3935-93C4-4BCD-93E2-E3B085C9AB24}">
-                <p16:designElem xmlns:p16="http://schemas.microsoft.com/office/powerpoint/2015/main" val="1"/>
-              </p:ext>
-            </p:extLst>
-          </p:nvPr>
-        </p:nvSpPr>
-        <p:spPr>
-          <a:xfrm>
-            <a:off x="937260" y="1248156"/>
-            <a:ext cx="7269480" cy="4361688"/>
+            <a:off x="4572000" y="0"/>
+            <a:ext cx="4571999" cy="6858000"/>
           </a:xfrm>
           <a:prstGeom prst="rect">
             <a:avLst/>
@@ -4360,324 +4396,71 @@
           <a:bodyPr rtlCol="0" anchor="ctr"/>
           <a:lstStyle/>
           <a:p>
-            <a:pPr marL="0" marR="0" lvl="0" indent="0" algn="ctr" defTabSz="457200" rtl="0" eaLnBrk="1" fontAlgn="auto" latinLnBrk="0" hangingPunct="1">
-              <a:lnSpc>
-                <a:spcPct val="100000"/>
-              </a:lnSpc>
-              <a:spcBef>
-                <a:spcPts val="0"/>
-              </a:spcBef>
-              <a:spcAft>
-                <a:spcPts val="0"/>
-              </a:spcAft>
-              <a:buClrTx/>
-              <a:buSzTx/>
-              <a:buFontTx/>
-              <a:buNone/>
-              <a:tabLst/>
-              <a:defRPr/>
-            </a:pPr>
-            <a:endParaRPr kumimoji="0" lang="en-US" sz="1800" b="0" i="0" u="none" strike="noStrike" kern="1200" cap="none" spc="0" normalizeH="0" baseline="0" noProof="0">
-              <a:ln>
-                <a:noFill/>
-              </a:ln>
-              <a:solidFill>
-                <a:srgbClr val="FFFFFF"/>
-              </a:solidFill>
-              <a:effectLst/>
-              <a:uLnTx/>
-              <a:uFillTx/>
-              <a:latin typeface="Gill Sans MT" panose="020B0502020104020203"/>
-              <a:ea typeface="+mn-ea"/>
-              <a:cs typeface="+mn-cs"/>
-            </a:endParaRPr>
-          </a:p>
-        </p:txBody>
-      </p:sp>
-      <p:sp>
-        <p:nvSpPr>
-          <p:cNvPr id="12" name="Rectangle 11">
+            <a:pPr algn="ctr"/>
+            <a:endParaRPr lang="en-US"/>
+          </a:p>
+        </p:txBody>
+      </p:sp>
+      <p:pic>
+        <p:nvPicPr>
+          <p:cNvPr id="16" name="Picture 15">
             <a:extLst>
               <a:ext uri="{FF2B5EF4-FFF2-40B4-BE49-F238E27FC236}">
-                <a16:creationId xmlns:a16="http://schemas.microsoft.com/office/drawing/2014/main" id="{78300AAB-6E8D-D027-306B-BD4987860CF8}"/>
-              </a:ext>
-              <a:ext uri="{C183D7F6-B498-43B3-948B-1728B52AA6E4}">
-                <adec:decorative xmlns:adec="http://schemas.microsoft.com/office/drawing/2017/decorative" val="1"/>
+                <a16:creationId xmlns:a16="http://schemas.microsoft.com/office/drawing/2014/main" id="{06EABD90-E3AF-845A-6981-EC87E0C0538F}"/>
               </a:ext>
             </a:extLst>
           </p:cNvPr>
-          <p:cNvSpPr>
-            <a:spLocks noGrp="1" noRot="1" noChangeAspect="1" noMove="1" noResize="1" noEditPoints="1" noAdjustHandles="1" noChangeArrowheads="1" noChangeShapeType="1" noTextEdit="1"/>
-          </p:cNvSpPr>
-          <p:nvPr>
-            <p:extLst>
-              <p:ext uri="{386F3935-93C4-4BCD-93E2-E3B085C9AB24}">
-                <p16:designElem xmlns:p16="http://schemas.microsoft.com/office/powerpoint/2015/main" val="1"/>
-              </p:ext>
-            </p:extLst>
-          </p:nvPr>
-        </p:nvSpPr>
+          <p:cNvPicPr>
+            <a:picLocks noChangeAspect="1"/>
+          </p:cNvPicPr>
+          <p:nvPr/>
+        </p:nvPicPr>
+        <p:blipFill>
+          <a:blip r:embed="rId2"/>
+          <a:stretch>
+            <a:fillRect/>
+          </a:stretch>
+        </p:blipFill>
         <p:spPr>
           <a:xfrm>
-            <a:off x="796671" y="1060704"/>
-            <a:ext cx="7550658" cy="4736592"/>
+            <a:off x="5019292" y="3246726"/>
+            <a:ext cx="3614168" cy="1725765"/>
           </a:xfrm>
           <a:prstGeom prst="rect">
             <a:avLst/>
           </a:prstGeom>
-          <a:noFill/>
-          <a:ln w="31750" cap="sq">
-            <a:solidFill>
-              <a:srgbClr val="FFFFFF"/>
-            </a:solidFill>
-            <a:miter lim="800000"/>
-          </a:ln>
         </p:spPr>
-        <p:style>
-          <a:lnRef idx="2">
-            <a:schemeClr val="accent1">
-              <a:shade val="50000"/>
-            </a:schemeClr>
-          </a:lnRef>
-          <a:fillRef idx="1">
-            <a:schemeClr val="accent1"/>
-          </a:fillRef>
-          <a:effectRef idx="0">
-            <a:schemeClr val="accent1"/>
-          </a:effectRef>
-          <a:fontRef idx="minor">
-            <a:schemeClr val="lt1"/>
-          </a:fontRef>
-        </p:style>
-        <p:txBody>
-          <a:bodyPr rtlCol="0" anchor="ctr"/>
-          <a:lstStyle/>
-          <a:p>
-            <a:pPr marL="0" marR="0" lvl="0" indent="0" algn="ctr" defTabSz="457200" rtl="0" eaLnBrk="1" fontAlgn="auto" latinLnBrk="0" hangingPunct="1">
-              <a:lnSpc>
-                <a:spcPct val="100000"/>
-              </a:lnSpc>
-              <a:spcBef>
-                <a:spcPts val="0"/>
-              </a:spcBef>
-              <a:spcAft>
-                <a:spcPts val="0"/>
-              </a:spcAft>
-              <a:buClrTx/>
-              <a:buSzTx/>
-              <a:buFontTx/>
-              <a:buNone/>
-              <a:tabLst/>
-              <a:defRPr/>
-            </a:pPr>
-            <a:endParaRPr kumimoji="0" lang="en-US" sz="1800" b="0" i="0" u="none" strike="noStrike" kern="1200" cap="none" spc="0" normalizeH="0" baseline="0" noProof="0">
-              <a:ln>
-                <a:noFill/>
-              </a:ln>
-              <a:solidFill>
-                <a:srgbClr val="FFFFFF"/>
-              </a:solidFill>
-              <a:effectLst/>
-              <a:uLnTx/>
-              <a:uFillTx/>
-              <a:latin typeface="Gill Sans MT" panose="020B0502020104020203"/>
-              <a:ea typeface="+mn-ea"/>
-              <a:cs typeface="+mn-cs"/>
-            </a:endParaRPr>
-          </a:p>
-        </p:txBody>
-      </p:sp>
-      <p:sp>
-        <p:nvSpPr>
-          <p:cNvPr id="2" name="Title 1">
+      </p:pic>
+      <p:pic>
+        <p:nvPicPr>
+          <p:cNvPr id="14" name="Picture 13">
             <a:extLst>
               <a:ext uri="{FF2B5EF4-FFF2-40B4-BE49-F238E27FC236}">
-                <a16:creationId xmlns:a16="http://schemas.microsoft.com/office/drawing/2014/main" id="{AB23261E-B1FB-628A-621F-B43AEAC86513}"/>
+                <a16:creationId xmlns:a16="http://schemas.microsoft.com/office/drawing/2014/main" id="{BE157067-BC30-D1FA-CB8A-C50D39F48168}"/>
               </a:ext>
             </a:extLst>
           </p:cNvPr>
-          <p:cNvSpPr>
-            <a:spLocks noGrp="1"/>
-          </p:cNvSpPr>
-          <p:nvPr>
-            <p:ph type="ctrTitle"/>
-          </p:nvPr>
-        </p:nvSpPr>
+          <p:cNvPicPr>
+            <a:picLocks noChangeAspect="1"/>
+          </p:cNvPicPr>
+          <p:nvPr/>
+        </p:nvPicPr>
+        <p:blipFill>
+          <a:blip r:embed="rId3"/>
+          <a:stretch>
+            <a:fillRect/>
+          </a:stretch>
+        </p:blipFill>
         <p:spPr>
           <a:xfrm>
-            <a:off x="1673352" y="467418"/>
-            <a:ext cx="5797296" cy="1188720"/>
+            <a:off x="4722112" y="2278318"/>
+            <a:ext cx="4208528" cy="289621"/>
           </a:xfrm>
-          <a:solidFill>
-            <a:srgbClr val="FFFFFF"/>
-          </a:solidFill>
+          <a:prstGeom prst="rect">
+            <a:avLst/>
+          </a:prstGeom>
         </p:spPr>
-        <p:txBody>
-          <a:bodyPr vert="horz" lIns="182880" tIns="182880" rIns="182880" bIns="182880" rtlCol="0" anchor="ctr">
-            <a:normAutofit/>
-          </a:bodyPr>
-          <a:lstStyle/>
-          <a:p>
-            <a:r>
-              <a:rPr lang="en-US" sz="2800" b="1" kern="1200" cap="all" spc="200" baseline="0" dirty="0">
-                <a:solidFill>
-                  <a:srgbClr val="262626"/>
-                </a:solidFill>
-                <a:latin typeface="+mj-lt"/>
-                <a:ea typeface="+mj-ea"/>
-                <a:cs typeface="+mj-cs"/>
-              </a:rPr>
-              <a:t>Interactive Components</a:t>
-            </a:r>
-          </a:p>
-        </p:txBody>
-      </p:sp>
-      <p:sp>
-        <p:nvSpPr>
-          <p:cNvPr id="3" name="Subtitle 2">
-            <a:extLst>
-              <a:ext uri="{FF2B5EF4-FFF2-40B4-BE49-F238E27FC236}">
-                <a16:creationId xmlns:a16="http://schemas.microsoft.com/office/drawing/2014/main" id="{DCEC2F26-F447-CA23-C26D-CDD02679A14D}"/>
-              </a:ext>
-            </a:extLst>
-          </p:cNvPr>
-          <p:cNvSpPr>
-            <a:spLocks noGrp="1"/>
-          </p:cNvSpPr>
-          <p:nvPr>
-            <p:ph type="subTitle" idx="1"/>
-          </p:nvPr>
-        </p:nvSpPr>
-        <p:spPr>
-          <a:xfrm>
-            <a:off x="1279546" y="2291262"/>
-            <a:ext cx="6584634" cy="2879256"/>
-          </a:xfrm>
-        </p:spPr>
-        <p:txBody>
-          <a:bodyPr vert="horz" lIns="91440" tIns="45720" rIns="91440" bIns="45720" rtlCol="0">
-            <a:normAutofit/>
-          </a:bodyPr>
-          <a:lstStyle/>
-          <a:p>
-            <a:pPr marL="257175" indent="-228600" algn="l">
-              <a:lnSpc>
-                <a:spcPct val="90000"/>
-              </a:lnSpc>
-              <a:buFont typeface="Arial" panose="020B0604020202020204" pitchFamily="34" charset="0"/>
-              <a:buChar char="•"/>
-            </a:pPr>
-            <a:r>
-              <a:rPr lang="en-US" sz="2000" b="1" dirty="0">
-                <a:solidFill>
-                  <a:srgbClr val="404040"/>
-                </a:solidFill>
-              </a:rPr>
-              <a:t>Tab Navigation: </a:t>
-            </a:r>
-            <a:r>
-              <a:rPr lang="en-US" sz="2000" dirty="0">
-                <a:solidFill>
-                  <a:srgbClr val="404040"/>
-                </a:solidFill>
-              </a:rPr>
-              <a:t>Navigate between Home, Services, and Schedule a Call sections.</a:t>
-            </a:r>
-          </a:p>
-          <a:p>
-            <a:pPr marL="257175" indent="-228600" algn="l">
-              <a:lnSpc>
-                <a:spcPct val="90000"/>
-              </a:lnSpc>
-              <a:buFont typeface="Arial" panose="020B0604020202020204" pitchFamily="34" charset="0"/>
-              <a:buChar char="•"/>
-            </a:pPr>
-            <a:r>
-              <a:rPr lang="en-US" sz="2000" b="1" dirty="0">
-                <a:solidFill>
-                  <a:srgbClr val="404040"/>
-                </a:solidFill>
-              </a:rPr>
-              <a:t>Lightbox/Modal: </a:t>
-            </a:r>
-            <a:r>
-              <a:rPr lang="en-US" sz="2000" dirty="0">
-                <a:solidFill>
-                  <a:srgbClr val="404040"/>
-                </a:solidFill>
-              </a:rPr>
-              <a:t>Displays community insights.</a:t>
-            </a:r>
-          </a:p>
-          <a:p>
-            <a:pPr marL="257175" indent="-228600" algn="l">
-              <a:lnSpc>
-                <a:spcPct val="90000"/>
-              </a:lnSpc>
-              <a:buFont typeface="Arial" panose="020B0604020202020204" pitchFamily="34" charset="0"/>
-              <a:buChar char="•"/>
-            </a:pPr>
-            <a:r>
-              <a:rPr lang="en-US" sz="2000" b="1" dirty="0">
-                <a:solidFill>
-                  <a:srgbClr val="404040"/>
-                </a:solidFill>
-              </a:rPr>
-              <a:t>Dynamic Form: </a:t>
-            </a:r>
-            <a:r>
-              <a:rPr lang="en-US" sz="2000" dirty="0">
-                <a:solidFill>
-                  <a:srgbClr val="404040"/>
-                </a:solidFill>
-              </a:rPr>
-              <a:t>"Tell us about your event" field toggles based on user input.</a:t>
-            </a:r>
-          </a:p>
-          <a:p>
-            <a:pPr marL="257175" indent="-228600" algn="l">
-              <a:lnSpc>
-                <a:spcPct val="90000"/>
-              </a:lnSpc>
-              <a:buFont typeface="Arial" panose="020B0604020202020204" pitchFamily="34" charset="0"/>
-              <a:buChar char="•"/>
-            </a:pPr>
-            <a:r>
-              <a:rPr lang="en-US" sz="2000" b="1" dirty="0">
-                <a:solidFill>
-                  <a:srgbClr val="404040"/>
-                </a:solidFill>
-              </a:rPr>
-              <a:t>Toggle Switch: </a:t>
-            </a:r>
-            <a:r>
-              <a:rPr lang="en-US" sz="2000" dirty="0">
-                <a:solidFill>
-                  <a:srgbClr val="404040"/>
-                </a:solidFill>
-              </a:rPr>
-              <a:t>Subscribes users to updates and services.</a:t>
-            </a:r>
-          </a:p>
-          <a:p>
-            <a:pPr marL="257175" indent="-228600" algn="l">
-              <a:lnSpc>
-                <a:spcPct val="90000"/>
-              </a:lnSpc>
-              <a:buFont typeface="Arial" panose="020B0604020202020204" pitchFamily="34" charset="0"/>
-              <a:buChar char="•"/>
-            </a:pPr>
-            <a:r>
-              <a:rPr lang="en-US" sz="2000" dirty="0">
-                <a:solidFill>
-                  <a:srgbClr val="404040"/>
-                </a:solidFill>
-              </a:rPr>
-              <a:t>Integrated error and success messages for form interactions.</a:t>
-            </a:r>
-          </a:p>
-        </p:txBody>
-      </p:sp>
+      </p:pic>
     </p:spTree>
     <p:extLst>
       <p:ext uri="{BB962C8B-B14F-4D97-AF65-F5344CB8AC3E}">
@@ -4686,7 +4469,7 @@
     </p:extLst>
   </p:cSld>
   <p:clrMapOvr>
-    <a:overrideClrMapping bg1="lt1" tx1="dk1" bg2="lt2" tx2="dk2" accent1="accent1" accent2="accent2" accent3="accent3" accent4="accent4" accent5="accent5" accent6="accent6" hlink="hlink" folHlink="folHlink"/>
+    <a:masterClrMapping/>
   </p:clrMapOvr>
 </p:sld>
 </file>
@@ -4697,7 +4480,7 @@
     <p:bg>
       <p:bgPr>
         <a:solidFill>
-          <a:schemeClr val="bg1"/>
+          <a:schemeClr val="accent2"/>
         </a:solidFill>
         <a:effectLst/>
       </p:bgPr>
@@ -4707,7 +4490,7 @@
         <p:cNvPr id="1" name="">
           <a:extLst>
             <a:ext uri="{FF2B5EF4-FFF2-40B4-BE49-F238E27FC236}">
-              <a16:creationId xmlns:a16="http://schemas.microsoft.com/office/drawing/2014/main" id="{180CC351-A7E8-4A9A-5683-1337743DA46A}"/>
+              <a16:creationId xmlns:a16="http://schemas.microsoft.com/office/drawing/2014/main" id="{4F9FDC33-3AF8-DD6A-2D02-CEAD338A3C8D}"/>
             </a:ext>
           </a:extLst>
         </p:cNvPr>
@@ -4724,10 +4507,10 @@
       </p:grpSpPr>
       <p:sp>
         <p:nvSpPr>
-          <p:cNvPr id="8" name="Rectangle 7">
+          <p:cNvPr id="33" name="Rectangle 32">
             <a:extLst>
               <a:ext uri="{FF2B5EF4-FFF2-40B4-BE49-F238E27FC236}">
-                <a16:creationId xmlns:a16="http://schemas.microsoft.com/office/drawing/2014/main" id="{6427A838-171B-EE83-DA37-386E4F62BEE5}"/>
+                <a16:creationId xmlns:a16="http://schemas.microsoft.com/office/drawing/2014/main" id="{5DDB0576-F160-45D9-9E44-E87FAC5E0E15}"/>
               </a:ext>
               <a:ext uri="{C183D7F6-B498-43B3-948B-1728B52AA6E4}">
                 <adec:decorative xmlns:adec="http://schemas.microsoft.com/office/drawing/2017/decorative" val="1"/>
@@ -4747,100 +4530,8 @@
         </p:nvSpPr>
         <p:spPr>
           <a:xfrm>
-            <a:off x="0" y="0"/>
-            <a:ext cx="9144000" cy="6858000"/>
-          </a:xfrm>
-          <a:prstGeom prst="rect">
-            <a:avLst/>
-          </a:prstGeom>
-          <a:solidFill>
-            <a:schemeClr val="accent2"/>
-          </a:solidFill>
-          <a:ln>
-            <a:noFill/>
-          </a:ln>
-        </p:spPr>
-        <p:style>
-          <a:lnRef idx="2">
-            <a:schemeClr val="accent1">
-              <a:shade val="50000"/>
-            </a:schemeClr>
-          </a:lnRef>
-          <a:fillRef idx="1">
-            <a:schemeClr val="accent1"/>
-          </a:fillRef>
-          <a:effectRef idx="0">
-            <a:schemeClr val="accent1"/>
-          </a:effectRef>
-          <a:fontRef idx="minor">
-            <a:schemeClr val="lt1"/>
-          </a:fontRef>
-        </p:style>
-        <p:txBody>
-          <a:bodyPr rtlCol="0" anchor="ctr"/>
-          <a:lstStyle/>
-          <a:p>
-            <a:pPr marL="0" marR="0" lvl="0" indent="0" algn="ctr" defTabSz="457200" rtl="0" eaLnBrk="1" fontAlgn="auto" latinLnBrk="0" hangingPunct="1">
-              <a:lnSpc>
-                <a:spcPct val="100000"/>
-              </a:lnSpc>
-              <a:spcBef>
-                <a:spcPts val="0"/>
-              </a:spcBef>
-              <a:spcAft>
-                <a:spcPts val="0"/>
-              </a:spcAft>
-              <a:buClrTx/>
-              <a:buSzTx/>
-              <a:buFontTx/>
-              <a:buNone/>
-              <a:tabLst/>
-              <a:defRPr/>
-            </a:pPr>
-            <a:endParaRPr kumimoji="0" lang="en-US" sz="1800" b="0" i="0" u="none" strike="noStrike" kern="1200" cap="none" spc="0" normalizeH="0" baseline="0" noProof="0">
-              <a:ln>
-                <a:noFill/>
-              </a:ln>
-              <a:solidFill>
-                <a:srgbClr val="FFFFFF"/>
-              </a:solidFill>
-              <a:effectLst/>
-              <a:uLnTx/>
-              <a:uFillTx/>
-              <a:latin typeface="Gill Sans MT" panose="020B0502020104020203"/>
-              <a:ea typeface="+mn-ea"/>
-              <a:cs typeface="+mn-cs"/>
-            </a:endParaRPr>
-          </a:p>
-        </p:txBody>
-      </p:sp>
-      <p:sp>
-        <p:nvSpPr>
-          <p:cNvPr id="10" name="Rectangle 9">
-            <a:extLst>
-              <a:ext uri="{FF2B5EF4-FFF2-40B4-BE49-F238E27FC236}">
-                <a16:creationId xmlns:a16="http://schemas.microsoft.com/office/drawing/2014/main" id="{8EA39B1B-AD8F-8DA8-DC5F-9224F066F9F0}"/>
-              </a:ext>
-              <a:ext uri="{C183D7F6-B498-43B3-948B-1728B52AA6E4}">
-                <adec:decorative xmlns:adec="http://schemas.microsoft.com/office/drawing/2017/decorative" val="1"/>
-              </a:ext>
-            </a:extLst>
-          </p:cNvPr>
-          <p:cNvSpPr>
-            <a:spLocks noGrp="1" noRot="1" noChangeAspect="1" noMove="1" noResize="1" noEditPoints="1" noAdjustHandles="1" noChangeArrowheads="1" noChangeShapeType="1" noTextEdit="1"/>
-          </p:cNvSpPr>
-          <p:nvPr>
-            <p:extLst>
-              <p:ext uri="{386F3935-93C4-4BCD-93E2-E3B085C9AB24}">
-                <p16:designElem xmlns:p16="http://schemas.microsoft.com/office/powerpoint/2015/main" val="1"/>
-              </p:ext>
-            </p:extLst>
-          </p:nvPr>
-        </p:nvSpPr>
-        <p:spPr>
-          <a:xfrm>
-            <a:off x="937260" y="1248156"/>
-            <a:ext cx="7269480" cy="4361688"/>
+            <a:off x="-14366" y="0"/>
+            <a:ext cx="3490722" cy="6858000"/>
           </a:xfrm>
           <a:prstGeom prst="rect">
             <a:avLst/>
@@ -4872,46 +4563,17 @@
           <a:bodyPr rtlCol="0" anchor="ctr"/>
           <a:lstStyle/>
           <a:p>
-            <a:pPr marL="0" marR="0" lvl="0" indent="0" algn="ctr" defTabSz="457200" rtl="0" eaLnBrk="1" fontAlgn="auto" latinLnBrk="0" hangingPunct="1">
-              <a:lnSpc>
-                <a:spcPct val="100000"/>
-              </a:lnSpc>
-              <a:spcBef>
-                <a:spcPts val="0"/>
-              </a:spcBef>
-              <a:spcAft>
-                <a:spcPts val="0"/>
-              </a:spcAft>
-              <a:buClrTx/>
-              <a:buSzTx/>
-              <a:buFontTx/>
-              <a:buNone/>
-              <a:tabLst/>
-              <a:defRPr/>
-            </a:pPr>
-            <a:endParaRPr kumimoji="0" lang="en-US" sz="1800" b="0" i="0" u="none" strike="noStrike" kern="1200" cap="none" spc="0" normalizeH="0" baseline="0" noProof="0">
-              <a:ln>
-                <a:noFill/>
-              </a:ln>
-              <a:solidFill>
-                <a:srgbClr val="FFFFFF"/>
-              </a:solidFill>
-              <a:effectLst/>
-              <a:uLnTx/>
-              <a:uFillTx/>
-              <a:latin typeface="Gill Sans MT" panose="020B0502020104020203"/>
-              <a:ea typeface="+mn-ea"/>
-              <a:cs typeface="+mn-cs"/>
-            </a:endParaRPr>
-          </a:p>
-        </p:txBody>
-      </p:sp>
-      <p:sp>
-        <p:nvSpPr>
-          <p:cNvPr id="12" name="Rectangle 11">
+            <a:pPr algn="ctr"/>
+            <a:endParaRPr lang="en-US"/>
+          </a:p>
+        </p:txBody>
+      </p:sp>
+      <p:sp>
+        <p:nvSpPr>
+          <p:cNvPr id="35" name="Rectangle 34">
             <a:extLst>
               <a:ext uri="{FF2B5EF4-FFF2-40B4-BE49-F238E27FC236}">
-                <a16:creationId xmlns:a16="http://schemas.microsoft.com/office/drawing/2014/main" id="{49CBD667-1CBA-AC0B-2006-7318F33A797B}"/>
+                <a16:creationId xmlns:a16="http://schemas.microsoft.com/office/drawing/2014/main" id="{D22CEE52-5426-4F39-9DC7-37F74637E489}"/>
               </a:ext>
               <a:ext uri="{C183D7F6-B498-43B3-948B-1728B52AA6E4}">
                 <adec:decorative xmlns:adec="http://schemas.microsoft.com/office/drawing/2017/decorative" val="1"/>
@@ -4931,31 +4593,28 @@
         </p:nvSpPr>
         <p:spPr>
           <a:xfrm>
-            <a:off x="796671" y="1060704"/>
-            <a:ext cx="7550658" cy="4736592"/>
+            <a:off x="3476577" y="0"/>
+            <a:ext cx="5667423" cy="6858000"/>
           </a:xfrm>
           <a:prstGeom prst="rect">
             <a:avLst/>
           </a:prstGeom>
-          <a:noFill/>
-          <a:ln w="31750" cap="sq">
-            <a:solidFill>
-              <a:srgbClr val="FFFFFF"/>
-            </a:solidFill>
-            <a:miter lim="800000"/>
+          <a:solidFill>
+            <a:schemeClr val="bg2"/>
+          </a:solidFill>
+          <a:ln>
+            <a:noFill/>
           </a:ln>
         </p:spPr>
         <p:style>
-          <a:lnRef idx="2">
-            <a:schemeClr val="accent1">
-              <a:shade val="50000"/>
-            </a:schemeClr>
+          <a:lnRef idx="0">
+            <a:scrgbClr r="0" g="0" b="0"/>
           </a:lnRef>
-          <a:fillRef idx="1">
-            <a:schemeClr val="accent1"/>
+          <a:fillRef idx="0">
+            <a:scrgbClr r="0" g="0" b="0"/>
           </a:fillRef>
           <a:effectRef idx="0">
-            <a:schemeClr val="accent1"/>
+            <a:scrgbClr r="0" g="0" b="0"/>
           </a:effectRef>
           <a:fontRef idx="minor">
             <a:schemeClr val="lt1"/>
@@ -4965,37 +4624,8 @@
           <a:bodyPr rtlCol="0" anchor="ctr"/>
           <a:lstStyle/>
           <a:p>
-            <a:pPr marL="0" marR="0" lvl="0" indent="0" algn="ctr" defTabSz="457200" rtl="0" eaLnBrk="1" fontAlgn="auto" latinLnBrk="0" hangingPunct="1">
-              <a:lnSpc>
-                <a:spcPct val="100000"/>
-              </a:lnSpc>
-              <a:spcBef>
-                <a:spcPts val="0"/>
-              </a:spcBef>
-              <a:spcAft>
-                <a:spcPts val="0"/>
-              </a:spcAft>
-              <a:buClrTx/>
-              <a:buSzTx/>
-              <a:buFontTx/>
-              <a:buNone/>
-              <a:tabLst/>
-              <a:defRPr/>
-            </a:pPr>
-            <a:endParaRPr kumimoji="0" lang="en-US" sz="1800" b="0" i="0" u="none" strike="noStrike" kern="1200" cap="none" spc="0" normalizeH="0" baseline="0" noProof="0">
-              <a:ln>
-                <a:noFill/>
-              </a:ln>
-              <a:solidFill>
-                <a:srgbClr val="FFFFFF"/>
-              </a:solidFill>
-              <a:effectLst/>
-              <a:uLnTx/>
-              <a:uFillTx/>
-              <a:latin typeface="Gill Sans MT" panose="020B0502020104020203"/>
-              <a:ea typeface="+mn-ea"/>
-              <a:cs typeface="+mn-cs"/>
-            </a:endParaRPr>
+            <a:pPr algn="ctr"/>
+            <a:endParaRPr lang="en-US"/>
           </a:p>
         </p:txBody>
       </p:sp>
@@ -5004,7 +4634,7 @@
           <p:cNvPr id="2" name="Title 1">
             <a:extLst>
               <a:ext uri="{FF2B5EF4-FFF2-40B4-BE49-F238E27FC236}">
-                <a16:creationId xmlns:a16="http://schemas.microsoft.com/office/drawing/2014/main" id="{9C527E69-1FF2-A8A6-605A-A95194893E9D}"/>
+                <a16:creationId xmlns:a16="http://schemas.microsoft.com/office/drawing/2014/main" id="{E9FDF327-5BD2-39DF-3F0C-5FF6C74C1D66}"/>
               </a:ext>
             </a:extLst>
           </p:cNvPr>
@@ -5017,29 +4647,32 @@
         </p:nvSpPr>
         <p:spPr>
           <a:xfrm>
-            <a:off x="1673352" y="467418"/>
-            <a:ext cx="5797296" cy="1188720"/>
+            <a:off x="4094227" y="2386744"/>
+            <a:ext cx="4446269" cy="1645920"/>
           </a:xfrm>
-          <a:solidFill>
-            <a:srgbClr val="FFFFFF"/>
-          </a:solidFill>
+          <a:noFill/>
+          <a:ln>
+            <a:solidFill>
+              <a:schemeClr val="tx1"/>
+            </a:solidFill>
+          </a:ln>
         </p:spPr>
         <p:txBody>
-          <a:bodyPr vert="horz" lIns="182880" tIns="182880" rIns="182880" bIns="182880" rtlCol="0" anchor="ctr">
+          <a:bodyPr vert="horz" lIns="182880" tIns="182880" rIns="182880" bIns="182880" rtlCol="0">
             <a:normAutofit/>
           </a:bodyPr>
           <a:lstStyle/>
           <a:p>
             <a:r>
-              <a:rPr lang="en-US" sz="2800" b="1" kern="1200" cap="all" spc="200" baseline="0" dirty="0">
+              <a:rPr lang="en-US" b="1" kern="1200" cap="all" spc="200" baseline="0">
                 <a:solidFill>
-                  <a:srgbClr val="262626"/>
+                  <a:schemeClr val="tx1"/>
                 </a:solidFill>
                 <a:latin typeface="+mj-lt"/>
                 <a:ea typeface="+mj-ea"/>
                 <a:cs typeface="+mj-cs"/>
               </a:rPr>
-              <a:t>Web Form Features</a:t>
+              <a:t>Interactive Components</a:t>
             </a:r>
           </a:p>
         </p:txBody>
@@ -5049,7 +4682,7 @@
           <p:cNvPr id="3" name="Subtitle 2">
             <a:extLst>
               <a:ext uri="{FF2B5EF4-FFF2-40B4-BE49-F238E27FC236}">
-                <a16:creationId xmlns:a16="http://schemas.microsoft.com/office/drawing/2014/main" id="{820180EF-DF25-9F10-B902-3D91B5D397C4}"/>
+                <a16:creationId xmlns:a16="http://schemas.microsoft.com/office/drawing/2014/main" id="{BF15601F-169B-E061-756B-CD1A23C2D339}"/>
               </a:ext>
             </a:extLst>
           </p:cNvPr>
@@ -5062,8 +4695,8 @@
         </p:nvSpPr>
         <p:spPr>
           <a:xfrm>
-            <a:off x="1279546" y="2291262"/>
-            <a:ext cx="6584634" cy="2879256"/>
+            <a:off x="4094227" y="4352544"/>
+            <a:ext cx="4446269" cy="1239894"/>
           </a:xfrm>
         </p:spPr>
         <p:txBody>
@@ -5072,7 +4705,7 @@
           </a:bodyPr>
           <a:lstStyle/>
           <a:p>
-            <a:pPr marL="257175" indent="-228600" algn="l">
+            <a:pPr marL="257175" indent="-228600">
               <a:lnSpc>
                 <a:spcPct val="90000"/>
               </a:lnSpc>
@@ -5080,16 +4713,12 @@
               <a:buChar char="•"/>
             </a:pPr>
             <a:r>
-              <a:rPr lang="en-US" sz="2000" dirty="0">
-                <a:solidFill>
-                  <a:srgbClr val="404040"/>
-                </a:solidFill>
-              </a:rPr>
-              <a:t>Keyboard accessibility and logical tab order.</a:t>
-            </a:r>
-          </a:p>
-          <a:p>
-            <a:pPr marL="257175" indent="-228600" algn="l">
+              <a:rPr lang="en-US" sz="1200" b="1"/>
+              <a:t>Dynamic Form: "Tell us about your event" field toggles based on user input.</a:t>
+            </a:r>
+          </a:p>
+          <a:p>
+            <a:pPr marL="257175" indent="-228600">
               <a:lnSpc>
                 <a:spcPct val="90000"/>
               </a:lnSpc>
@@ -5097,16 +4726,12 @@
               <a:buChar char="•"/>
             </a:pPr>
             <a:r>
-              <a:rPr lang="en-US" sz="2000" dirty="0">
-                <a:solidFill>
-                  <a:srgbClr val="404040"/>
-                </a:solidFill>
-              </a:rPr>
-              <a:t>Error validation for required and type-specific fields.</a:t>
-            </a:r>
-          </a:p>
-          <a:p>
-            <a:pPr marL="257175" indent="-228600" algn="l">
+              <a:rPr lang="en-US" sz="1200" b="1"/>
+              <a:t>Toggle Switch: Subscribes users to updates and services.</a:t>
+            </a:r>
+          </a:p>
+          <a:p>
+            <a:pPr marL="257175" indent="-228600">
               <a:lnSpc>
                 <a:spcPct val="90000"/>
               </a:lnSpc>
@@ -5114,59 +4739,112 @@
               <a:buChar char="•"/>
             </a:pPr>
             <a:r>
-              <a:rPr lang="en-US" sz="2000" dirty="0">
-                <a:solidFill>
-                  <a:srgbClr val="404040"/>
-                </a:solidFill>
-              </a:rPr>
-              <a:t>Success and error messages displayed dynamically.</a:t>
-            </a:r>
-          </a:p>
-          <a:p>
-            <a:pPr marL="257175" indent="-228600" algn="l">
-              <a:lnSpc>
-                <a:spcPct val="90000"/>
-              </a:lnSpc>
-              <a:buFont typeface="Arial" panose="020B0604020202020204" pitchFamily="34" charset="0"/>
-              <a:buChar char="•"/>
-            </a:pPr>
-            <a:r>
-              <a:rPr lang="en-US" sz="2000" dirty="0">
-                <a:solidFill>
-                  <a:srgbClr val="404040"/>
-                </a:solidFill>
-              </a:rPr>
-              <a:t>Inline instructions for accessible form completion.</a:t>
-            </a:r>
-          </a:p>
-          <a:p>
-            <a:pPr marL="257175" indent="-228600" algn="l">
-              <a:lnSpc>
-                <a:spcPct val="90000"/>
-              </a:lnSpc>
-              <a:buFont typeface="Arial" panose="020B0604020202020204" pitchFamily="34" charset="0"/>
-              <a:buChar char="•"/>
-            </a:pPr>
-            <a:r>
-              <a:rPr lang="en-US" sz="2000" dirty="0">
-                <a:solidFill>
-                  <a:srgbClr val="404040"/>
-                </a:solidFill>
-              </a:rPr>
-              <a:t>Proper labels and grouping for checkboxes and fields.</a:t>
-            </a:r>
-          </a:p>
-        </p:txBody>
-      </p:sp>
+              <a:rPr lang="en-US" sz="1200" b="1"/>
+              <a:t>Integrated error and success messages for form interactions.</a:t>
+            </a:r>
+            <a:endParaRPr lang="en-US" sz="1200"/>
+          </a:p>
+        </p:txBody>
+      </p:sp>
+      <p:pic>
+        <p:nvPicPr>
+          <p:cNvPr id="16" name="Picture 15">
+            <a:extLst>
+              <a:ext uri="{FF2B5EF4-FFF2-40B4-BE49-F238E27FC236}">
+                <a16:creationId xmlns:a16="http://schemas.microsoft.com/office/drawing/2014/main" id="{B0420BE5-C117-A688-D892-BBB3BAF7003E}"/>
+              </a:ext>
+            </a:extLst>
+          </p:cNvPr>
+          <p:cNvPicPr>
+            <a:picLocks noChangeAspect="1"/>
+          </p:cNvPicPr>
+          <p:nvPr/>
+        </p:nvPicPr>
+        <p:blipFill>
+          <a:blip r:embed="rId2"/>
+          <a:stretch>
+            <a:fillRect/>
+          </a:stretch>
+        </p:blipFill>
+        <p:spPr>
+          <a:xfrm>
+            <a:off x="465693" y="1195030"/>
+            <a:ext cx="2564643" cy="609102"/>
+          </a:xfrm>
+          <a:prstGeom prst="rect">
+            <a:avLst/>
+          </a:prstGeom>
+        </p:spPr>
+      </p:pic>
+      <p:pic>
+        <p:nvPicPr>
+          <p:cNvPr id="14" name="Picture 13">
+            <a:extLst>
+              <a:ext uri="{FF2B5EF4-FFF2-40B4-BE49-F238E27FC236}">
+                <a16:creationId xmlns:a16="http://schemas.microsoft.com/office/drawing/2014/main" id="{794B2D14-DB3A-99CF-6DDD-FA4C5CA1235C}"/>
+              </a:ext>
+            </a:extLst>
+          </p:cNvPr>
+          <p:cNvPicPr>
+            <a:picLocks noChangeAspect="1"/>
+          </p:cNvPicPr>
+          <p:nvPr/>
+        </p:nvPicPr>
+        <p:blipFill>
+          <a:blip r:embed="rId3"/>
+          <a:stretch>
+            <a:fillRect/>
+          </a:stretch>
+        </p:blipFill>
+        <p:spPr>
+          <a:xfrm>
+            <a:off x="465693" y="3132845"/>
+            <a:ext cx="2564643" cy="487282"/>
+          </a:xfrm>
+          <a:prstGeom prst="rect">
+            <a:avLst/>
+          </a:prstGeom>
+        </p:spPr>
+      </p:pic>
+      <p:pic>
+        <p:nvPicPr>
+          <p:cNvPr id="9" name="Picture 8">
+            <a:extLst>
+              <a:ext uri="{FF2B5EF4-FFF2-40B4-BE49-F238E27FC236}">
+                <a16:creationId xmlns:a16="http://schemas.microsoft.com/office/drawing/2014/main" id="{BC5EF6B2-8A08-699D-C578-018AFCAAA2AB}"/>
+              </a:ext>
+            </a:extLst>
+          </p:cNvPr>
+          <p:cNvPicPr>
+            <a:picLocks noChangeAspect="1"/>
+          </p:cNvPicPr>
+          <p:nvPr/>
+        </p:nvPicPr>
+        <p:blipFill>
+          <a:blip r:embed="rId4"/>
+          <a:stretch>
+            <a:fillRect/>
+          </a:stretch>
+        </p:blipFill>
+        <p:spPr>
+          <a:xfrm>
+            <a:off x="465693" y="4914287"/>
+            <a:ext cx="2564643" cy="679630"/>
+          </a:xfrm>
+          <a:prstGeom prst="rect">
+            <a:avLst/>
+          </a:prstGeom>
+        </p:spPr>
+      </p:pic>
     </p:spTree>
     <p:extLst>
       <p:ext uri="{BB962C8B-B14F-4D97-AF65-F5344CB8AC3E}">
-        <p14:creationId xmlns:p14="http://schemas.microsoft.com/office/powerpoint/2010/main" val="3294971314"/>
+        <p14:creationId xmlns:p14="http://schemas.microsoft.com/office/powerpoint/2010/main" val="2728006756"/>
       </p:ext>
     </p:extLst>
   </p:cSld>
   <p:clrMapOvr>
-    <a:overrideClrMapping bg1="lt1" tx1="dk1" bg2="lt2" tx2="dk2" accent1="accent1" accent2="accent2" accent3="accent3" accent4="accent4" accent5="accent5" accent6="accent6" hlink="hlink" folHlink="folHlink"/>
+    <a:masterClrMapping/>
   </p:clrMapOvr>
 </p:sld>
 </file>
@@ -5511,7 +5189,7 @@
           <a:lstStyle/>
           <a:p>
             <a:r>
-              <a:rPr lang="en-US" sz="2800" b="1" kern="1200" cap="all" spc="200" baseline="0" dirty="0">
+              <a:rPr lang="en-US" sz="2800" b="1" kern="1200" cap="all" spc="200" baseline="0">
                 <a:solidFill>
                   <a:srgbClr val="262626"/>
                 </a:solidFill>
@@ -5521,6 +5199,14 @@
               </a:rPr>
               <a:t>Design and Layout</a:t>
             </a:r>
+            <a:endParaRPr lang="en-US" sz="2800" b="1" kern="1200" cap="all" spc="200" baseline="0" dirty="0">
+              <a:solidFill>
+                <a:srgbClr val="262626"/>
+              </a:solidFill>
+              <a:latin typeface="+mj-lt"/>
+              <a:ea typeface="+mj-ea"/>
+              <a:cs typeface="+mj-cs"/>
+            </a:endParaRPr>
           </a:p>
         </p:txBody>
       </p:sp>
@@ -5560,7 +5246,7 @@
               <a:buChar char="•"/>
             </a:pPr>
             <a:r>
-              <a:rPr lang="en-US" sz="2000" dirty="0">
+              <a:rPr lang="en-US" sz="2000">
                 <a:solidFill>
                   <a:srgbClr val="404040"/>
                 </a:solidFill>
@@ -5577,7 +5263,7 @@
               <a:buChar char="•"/>
             </a:pPr>
             <a:r>
-              <a:rPr lang="en-US" sz="2000" dirty="0">
+              <a:rPr lang="en-US" sz="2000">
                 <a:solidFill>
                   <a:srgbClr val="404040"/>
                 </a:solidFill>
@@ -5594,7 +5280,7 @@
               <a:buChar char="•"/>
             </a:pPr>
             <a:r>
-              <a:rPr lang="en-US" sz="2000" dirty="0">
+              <a:rPr lang="en-US" sz="2000">
                 <a:solidFill>
                   <a:srgbClr val="404040"/>
                 </a:solidFill>
@@ -5611,13 +5297,18 @@
               <a:buChar char="•"/>
             </a:pPr>
             <a:r>
-              <a:rPr lang="en-US" sz="2000" dirty="0">
+              <a:rPr lang="en-US" sz="2000">
                 <a:solidFill>
                   <a:srgbClr val="404040"/>
                 </a:solidFill>
               </a:rPr>
               <a:t>Uniform branding with consistent colors, fonts, and spacing.</a:t>
             </a:r>
+            <a:endParaRPr lang="en-US" sz="2000" dirty="0">
+              <a:solidFill>
+                <a:srgbClr val="404040"/>
+              </a:solidFill>
+            </a:endParaRPr>
           </a:p>
         </p:txBody>
       </p:sp>
@@ -5667,7 +5358,7 @@
       </p:grpSpPr>
       <p:sp>
         <p:nvSpPr>
-          <p:cNvPr id="17" name="Rectangle 16">
+          <p:cNvPr id="26" name="Rectangle 25">
             <a:extLst>
               <a:ext uri="{FF2B5EF4-FFF2-40B4-BE49-F238E27FC236}">
                 <a16:creationId xmlns:a16="http://schemas.microsoft.com/office/drawing/2014/main" id="{C33976D1-3430-450C-A978-87A9A6E8E71F}"/>
@@ -5730,7 +5421,7 @@
       </p:sp>
       <p:sp>
         <p:nvSpPr>
-          <p:cNvPr id="19" name="Rectangle 18">
+          <p:cNvPr id="28" name="Rectangle 27">
             <a:extLst>
               <a:ext uri="{FF2B5EF4-FFF2-40B4-BE49-F238E27FC236}">
                 <a16:creationId xmlns:a16="http://schemas.microsoft.com/office/drawing/2014/main" id="{7D6AAC78-7D86-415A-ADC1-2B474807960C}"/>
@@ -5793,7 +5484,7 @@
       </p:sp>
       <p:sp>
         <p:nvSpPr>
-          <p:cNvPr id="21" name="Rectangle 20">
+          <p:cNvPr id="30" name="Rectangle 29">
             <a:extLst>
               <a:ext uri="{FF2B5EF4-FFF2-40B4-BE49-F238E27FC236}">
                 <a16:creationId xmlns:a16="http://schemas.microsoft.com/office/drawing/2014/main" id="{F2A658D9-F185-44F1-BA33-D50320D1D078}"/>
@@ -6111,10 +5802,10 @@
       </p:grpSpPr>
       <p:sp>
         <p:nvSpPr>
-          <p:cNvPr id="17" name="Rectangle 16">
+          <p:cNvPr id="26" name="Rectangle 25">
             <a:extLst>
               <a:ext uri="{FF2B5EF4-FFF2-40B4-BE49-F238E27FC236}">
-                <a16:creationId xmlns:a16="http://schemas.microsoft.com/office/drawing/2014/main" id="{A7B71761-0026-9AEA-86B4-65EBF5C2D624}"/>
+                <a16:creationId xmlns:a16="http://schemas.microsoft.com/office/drawing/2014/main" id="{C33976D1-3430-450C-A978-87A9A6E8E71F}"/>
               </a:ext>
               <a:ext uri="{C183D7F6-B498-43B3-948B-1728B52AA6E4}">
                 <adec:decorative xmlns:adec="http://schemas.microsoft.com/office/drawing/2017/decorative" val="1"/>
@@ -6167,46 +5858,17 @@
           <a:bodyPr rtlCol="0" anchor="ctr"/>
           <a:lstStyle/>
           <a:p>
-            <a:pPr marL="0" marR="0" lvl="0" indent="0" algn="ctr" defTabSz="457200" rtl="0" eaLnBrk="1" fontAlgn="auto" latinLnBrk="0" hangingPunct="1">
-              <a:lnSpc>
-                <a:spcPct val="100000"/>
-              </a:lnSpc>
-              <a:spcBef>
-                <a:spcPts val="0"/>
-              </a:spcBef>
-              <a:spcAft>
-                <a:spcPts val="0"/>
-              </a:spcAft>
-              <a:buClrTx/>
-              <a:buSzTx/>
-              <a:buFontTx/>
-              <a:buNone/>
-              <a:tabLst/>
-              <a:defRPr/>
-            </a:pPr>
-            <a:endParaRPr kumimoji="0" lang="en-US" sz="1800" b="0" i="0" u="none" strike="noStrike" kern="1200" cap="none" spc="0" normalizeH="0" baseline="0" noProof="0">
-              <a:ln>
-                <a:noFill/>
-              </a:ln>
-              <a:solidFill>
-                <a:srgbClr val="FFFFFF"/>
-              </a:solidFill>
-              <a:effectLst/>
-              <a:uLnTx/>
-              <a:uFillTx/>
-              <a:latin typeface="Gill Sans MT" panose="020B0502020104020203"/>
-              <a:ea typeface="+mn-ea"/>
-              <a:cs typeface="+mn-cs"/>
-            </a:endParaRPr>
-          </a:p>
-        </p:txBody>
-      </p:sp>
-      <p:sp>
-        <p:nvSpPr>
-          <p:cNvPr id="19" name="Rectangle 18">
+            <a:pPr algn="ctr"/>
+            <a:endParaRPr lang="en-US"/>
+          </a:p>
+        </p:txBody>
+      </p:sp>
+      <p:sp>
+        <p:nvSpPr>
+          <p:cNvPr id="28" name="Rectangle 27">
             <a:extLst>
               <a:ext uri="{FF2B5EF4-FFF2-40B4-BE49-F238E27FC236}">
-                <a16:creationId xmlns:a16="http://schemas.microsoft.com/office/drawing/2014/main" id="{BCE2B4C6-2D07-14E9-CA7F-5E32C089A0CC}"/>
+                <a16:creationId xmlns:a16="http://schemas.microsoft.com/office/drawing/2014/main" id="{7D6AAC78-7D86-415A-ADC1-2B474807960C}"/>
               </a:ext>
               <a:ext uri="{C183D7F6-B498-43B3-948B-1728B52AA6E4}">
                 <adec:decorative xmlns:adec="http://schemas.microsoft.com/office/drawing/2017/decorative" val="1"/>
@@ -6259,46 +5921,17 @@
           <a:bodyPr rtlCol="0" anchor="ctr"/>
           <a:lstStyle/>
           <a:p>
-            <a:pPr marL="0" marR="0" lvl="0" indent="0" algn="ctr" defTabSz="457200" rtl="0" eaLnBrk="1" fontAlgn="auto" latinLnBrk="0" hangingPunct="1">
-              <a:lnSpc>
-                <a:spcPct val="100000"/>
-              </a:lnSpc>
-              <a:spcBef>
-                <a:spcPts val="0"/>
-              </a:spcBef>
-              <a:spcAft>
-                <a:spcPts val="0"/>
-              </a:spcAft>
-              <a:buClrTx/>
-              <a:buSzTx/>
-              <a:buFontTx/>
-              <a:buNone/>
-              <a:tabLst/>
-              <a:defRPr/>
-            </a:pPr>
-            <a:endParaRPr kumimoji="0" lang="en-US" sz="1800" b="0" i="0" u="none" strike="noStrike" kern="1200" cap="none" spc="0" normalizeH="0" baseline="0" noProof="0">
-              <a:ln>
-                <a:noFill/>
-              </a:ln>
-              <a:solidFill>
-                <a:srgbClr val="FFFFFF"/>
-              </a:solidFill>
-              <a:effectLst/>
-              <a:uLnTx/>
-              <a:uFillTx/>
-              <a:latin typeface="Gill Sans MT" panose="020B0502020104020203"/>
-              <a:ea typeface="+mn-ea"/>
-              <a:cs typeface="+mn-cs"/>
-            </a:endParaRPr>
-          </a:p>
-        </p:txBody>
-      </p:sp>
-      <p:sp>
-        <p:nvSpPr>
-          <p:cNvPr id="21" name="Rectangle 20">
+            <a:pPr algn="ctr"/>
+            <a:endParaRPr lang="en-US"/>
+          </a:p>
+        </p:txBody>
+      </p:sp>
+      <p:sp>
+        <p:nvSpPr>
+          <p:cNvPr id="30" name="Rectangle 29">
             <a:extLst>
               <a:ext uri="{FF2B5EF4-FFF2-40B4-BE49-F238E27FC236}">
-                <a16:creationId xmlns:a16="http://schemas.microsoft.com/office/drawing/2014/main" id="{8295BE3F-EDCE-0622-7C22-A00A8B9540A8}"/>
+                <a16:creationId xmlns:a16="http://schemas.microsoft.com/office/drawing/2014/main" id="{F2A658D9-F185-44F1-BA33-D50320D1D078}"/>
               </a:ext>
               <a:ext uri="{C183D7F6-B498-43B3-948B-1728B52AA6E4}">
                 <adec:decorative xmlns:adec="http://schemas.microsoft.com/office/drawing/2017/decorative" val="1"/>
@@ -6352,37 +5985,8 @@
           <a:bodyPr rtlCol="0" anchor="ctr"/>
           <a:lstStyle/>
           <a:p>
-            <a:pPr marL="0" marR="0" lvl="0" indent="0" algn="ctr" defTabSz="457200" rtl="0" eaLnBrk="1" fontAlgn="auto" latinLnBrk="0" hangingPunct="1">
-              <a:lnSpc>
-                <a:spcPct val="100000"/>
-              </a:lnSpc>
-              <a:spcBef>
-                <a:spcPts val="0"/>
-              </a:spcBef>
-              <a:spcAft>
-                <a:spcPts val="0"/>
-              </a:spcAft>
-              <a:buClrTx/>
-              <a:buSzTx/>
-              <a:buFontTx/>
-              <a:buNone/>
-              <a:tabLst/>
-              <a:defRPr/>
-            </a:pPr>
-            <a:endParaRPr kumimoji="0" lang="en-US" sz="1800" b="0" i="0" u="none" strike="noStrike" kern="1200" cap="none" spc="0" normalizeH="0" baseline="0" noProof="0">
-              <a:ln>
-                <a:noFill/>
-              </a:ln>
-              <a:solidFill>
-                <a:srgbClr val="FFFFFF"/>
-              </a:solidFill>
-              <a:effectLst/>
-              <a:uLnTx/>
-              <a:uFillTx/>
-              <a:latin typeface="Gill Sans MT" panose="020B0502020104020203"/>
-              <a:ea typeface="+mn-ea"/>
-              <a:cs typeface="+mn-cs"/>
-            </a:endParaRPr>
+            <a:pPr algn="ctr"/>
+            <a:endParaRPr lang="en-US"/>
           </a:p>
         </p:txBody>
       </p:sp>
@@ -6455,7 +6059,7 @@
         </p:spPr>
         <p:txBody>
           <a:bodyPr vert="horz" lIns="91440" tIns="45720" rIns="91440" bIns="45720" rtlCol="0">
-            <a:normAutofit fontScale="92500" lnSpcReduction="20000"/>
+            <a:normAutofit/>
           </a:bodyPr>
           <a:lstStyle/>
           <a:p>
@@ -6467,7 +6071,7 @@
               <a:buChar char="•"/>
             </a:pPr>
             <a:r>
-              <a:rPr lang="en-US" sz="1600" b="1" dirty="0">
+              <a:rPr lang="en-US" sz="1300" b="1">
                 <a:solidFill>
                   <a:srgbClr val="404040"/>
                 </a:solidFill>
@@ -6475,7 +6079,7 @@
               <a:t>Deval Bhungaliya(041107272): </a:t>
             </a:r>
             <a:r>
-              <a:rPr lang="en-US" sz="1600" dirty="0">
+              <a:rPr lang="en-US" sz="1300">
                 <a:solidFill>
                   <a:srgbClr val="404040"/>
                 </a:solidFill>
@@ -6492,31 +6096,15 @@
               <a:buChar char="•"/>
             </a:pPr>
             <a:r>
-              <a:rPr lang="en-US" sz="1600" b="1" dirty="0">
+              <a:rPr lang="en-US" sz="1300" b="1">
                 <a:solidFill>
                   <a:srgbClr val="404040"/>
                 </a:solidFill>
               </a:rPr>
-              <a:t>Bhavika </a:t>
-            </a:r>
-            <a:r>
-              <a:rPr lang="en-US" sz="1600" b="1" dirty="0" err="1">
-                <a:solidFill>
-                  <a:srgbClr val="404040"/>
-                </a:solidFill>
-              </a:rPr>
-              <a:t>Pathria</a:t>
-            </a:r>
-            <a:r>
-              <a:rPr lang="en-US" sz="1600" b="1" dirty="0">
-                <a:solidFill>
-                  <a:srgbClr val="404040"/>
-                </a:solidFill>
-              </a:rPr>
-              <a:t>(041096986): </a:t>
-            </a:r>
-            <a:r>
-              <a:rPr lang="en-US" sz="1600" dirty="0">
+              <a:t>Bhavika Pathria(041096986): </a:t>
+            </a:r>
+            <a:r>
+              <a:rPr lang="en-US" sz="1300">
                 <a:solidFill>
                   <a:srgbClr val="404040"/>
                 </a:solidFill>
@@ -6533,7 +6121,7 @@
               <a:buChar char="•"/>
             </a:pPr>
             <a:r>
-              <a:rPr lang="en-US" sz="1600" b="1" dirty="0">
+              <a:rPr lang="en-US" sz="1300" b="1">
                 <a:solidFill>
                   <a:srgbClr val="404040"/>
                 </a:solidFill>
@@ -6541,7 +6129,7 @@
               <a:t>Parth Patel(040751954): </a:t>
             </a:r>
             <a:r>
-              <a:rPr lang="en-US" sz="1600" dirty="0">
+              <a:rPr lang="en-US" sz="1300">
                 <a:solidFill>
                   <a:srgbClr val="404040"/>
                 </a:solidFill>
@@ -6558,39 +6146,15 @@
               <a:buChar char="•"/>
             </a:pPr>
             <a:r>
-              <a:rPr lang="en-US" sz="1600" b="1" dirty="0" err="1">
+              <a:rPr lang="en-US" sz="1300" b="1">
                 <a:solidFill>
                   <a:srgbClr val="404040"/>
                 </a:solidFill>
               </a:rPr>
-              <a:t>Neetika</a:t>
-            </a:r>
-            <a:r>
-              <a:rPr lang="en-US" sz="1600" b="1" dirty="0">
-                <a:solidFill>
-                  <a:srgbClr val="404040"/>
-                </a:solidFill>
-              </a:rPr>
-              <a:t> </a:t>
-            </a:r>
-            <a:r>
-              <a:rPr lang="en-US" sz="1600" b="1" dirty="0" err="1">
-                <a:solidFill>
-                  <a:srgbClr val="404040"/>
-                </a:solidFill>
-              </a:rPr>
-              <a:t>Prashar</a:t>
-            </a:r>
-            <a:r>
-              <a:rPr lang="en-US" sz="1600" b="1" dirty="0">
-                <a:solidFill>
-                  <a:srgbClr val="404040"/>
-                </a:solidFill>
-              </a:rPr>
-              <a:t>(041167124): </a:t>
-            </a:r>
-            <a:r>
-              <a:rPr lang="en-US" sz="1600" dirty="0">
+              <a:t>Neetika Prashar(041167124): </a:t>
+            </a:r>
+            <a:r>
+              <a:rPr lang="en-US" sz="1300">
                 <a:solidFill>
                   <a:srgbClr val="404040"/>
                 </a:solidFill>
@@ -6607,7 +6171,7 @@
               <a:buChar char="•"/>
             </a:pPr>
             <a:r>
-              <a:rPr lang="en-US" sz="1600" dirty="0">
+              <a:rPr lang="en-US" sz="1300">
                 <a:solidFill>
                   <a:srgbClr val="404040"/>
                 </a:solidFill>
@@ -6624,7 +6188,7 @@
               <a:buChar char="•"/>
             </a:pPr>
             <a:r>
-              <a:rPr lang="en-US" sz="1600" dirty="0">
+              <a:rPr lang="en-US" sz="1300">
                 <a:solidFill>
                   <a:srgbClr val="404040"/>
                 </a:solidFill>
@@ -6641,7 +6205,7 @@
               <a:buChar char="•"/>
             </a:pPr>
             <a:r>
-              <a:rPr lang="en-US" sz="1600" dirty="0">
+              <a:rPr lang="en-US" sz="1300">
                 <a:solidFill>
                   <a:srgbClr val="404040"/>
                 </a:solidFill>
@@ -6649,20 +6213,13 @@
               <a:t>GitHub Repository: </a:t>
             </a:r>
             <a:r>
-              <a:rPr lang="en-US" sz="1600" i="1" u="sng" dirty="0">
+              <a:rPr lang="en-US" sz="1300" i="1" u="sng">
                 <a:solidFill>
                   <a:srgbClr val="404040"/>
                 </a:solidFill>
               </a:rPr>
               <a:t>https://github.com/bhun0002/CST8914_GRP_SPA</a:t>
             </a:r>
-            <a:endParaRPr lang="en-US" sz="1600" i="1" u="sng" dirty="0">
-              <a:solidFill>
-                <a:schemeClr val="bg2">
-                  <a:lumMod val="25000"/>
-                </a:schemeClr>
-              </a:solidFill>
-            </a:endParaRPr>
           </a:p>
           <a:p>
             <a:pPr marL="714375" lvl="1" indent="-228600" algn="l">
@@ -6673,7 +6230,7 @@
               <a:buChar char="•"/>
             </a:pPr>
             <a:r>
-              <a:rPr lang="en-US" sz="1600" dirty="0">
+              <a:rPr lang="en-US" sz="1300">
                 <a:solidFill>
                   <a:srgbClr val="404040"/>
                 </a:solidFill>
@@ -6681,7 +6238,7 @@
               <a:t>Live SPA: </a:t>
             </a:r>
             <a:r>
-              <a:rPr lang="en-US" sz="1600" i="1" u="sng" dirty="0">
+              <a:rPr lang="en-US" sz="1300" i="1" u="sng">
                 <a:solidFill>
                   <a:srgbClr val="404040"/>
                 </a:solidFill>
